--- a/tip/OAuth_2.0.pptx
+++ b/tip/OAuth_2.0.pptx
@@ -229,7 +229,7 @@
           <a:p>
             <a:fld id="{DEAB3854-795A-440D-BE64-BDDA19622B8B}" type="datetimeFigureOut">
               <a:rPr lang="ko-KR" altLang="en-US" smtClean="0"/>
-              <a:t>2021-07-01</a:t>
+              <a:t>2021-07-02</a:t>
             </a:fld>
             <a:endParaRPr lang="ko-KR" altLang="en-US"/>
           </a:p>
@@ -697,7 +697,7 @@
           <a:p>
             <a:fld id="{4B4F073C-3BCF-4582-8694-28CAAD9CBA86}" type="datetimeFigureOut">
               <a:rPr lang="ko-KR" altLang="en-US" smtClean="0"/>
-              <a:t>2021-07-01</a:t>
+              <a:t>2021-07-02</a:t>
             </a:fld>
             <a:endParaRPr lang="ko-KR" altLang="en-US"/>
           </a:p>
@@ -922,7 +922,7 @@
           <a:p>
             <a:fld id="{E20531FF-4D4C-4436-AB29-1C099FBC4DE3}" type="datetimeFigureOut">
               <a:rPr lang="ko-KR" altLang="en-US" smtClean="0"/>
-              <a:t>2021-07-01</a:t>
+              <a:t>2021-07-02</a:t>
             </a:fld>
             <a:endParaRPr lang="ko-KR" altLang="en-US"/>
           </a:p>
@@ -1529,7 +1529,7 @@
           <p:nvPr>
             <p:extLst>
               <p:ext uri="{D42A27DB-BD31-4B8C-83A1-F6EECF244321}">
-                <p14:modId xmlns:p14="http://schemas.microsoft.com/office/powerpoint/2010/main" val="2625024137"/>
+                <p14:modId xmlns:p14="http://schemas.microsoft.com/office/powerpoint/2010/main" val="3394051493"/>
               </p:ext>
             </p:extLst>
           </p:nvPr>
@@ -1796,53 +1796,6 @@
                         </a:rPr>
                         <a:t>기밀 클라이언트</a:t>
                       </a:r>
-                      <a:r>
-                        <a:rPr lang="en-US" altLang="ko-KR" sz="1200" u="none" strike="noStrike" dirty="0">
-                          <a:effectLst/>
-                        </a:rPr>
-                        <a:t>(</a:t>
-                      </a:r>
-                      <a:r>
-                        <a:rPr lang="ko-KR" altLang="en-US" sz="1200" u="none" strike="noStrike" dirty="0" err="1">
-                          <a:effectLst/>
-                        </a:rPr>
-                        <a:t>웹앱</a:t>
-                      </a:r>
-                      <a:r>
-                        <a:rPr lang="en-US" altLang="ko-KR" sz="1200" u="none" strike="noStrike" dirty="0">
-                          <a:effectLst/>
-                        </a:rPr>
-                        <a:t>)</a:t>
-                      </a:r>
-                      <a:br>
-                        <a:rPr lang="en-US" altLang="ko-KR" sz="1200" u="none" strike="noStrike" dirty="0">
-                          <a:effectLst/>
-                        </a:rPr>
-                      </a:br>
-                      <a:r>
-                        <a:rPr lang="en-US" altLang="ko-KR" sz="1200" u="none" strike="noStrike" dirty="0">
-                          <a:effectLst/>
-                        </a:rPr>
-                        <a:t>(was </a:t>
-                      </a:r>
-                      <a:r>
-                        <a:rPr lang="ko-KR" altLang="en-US" sz="1200" u="none" strike="noStrike" dirty="0">
-                          <a:effectLst/>
-                        </a:rPr>
-                        <a:t>에서 </a:t>
-                      </a:r>
-                      <a:r>
-                        <a:rPr lang="ko-KR" altLang="en-US" sz="1200" u="none" strike="noStrike" dirty="0" err="1">
-                          <a:effectLst/>
-                        </a:rPr>
-                        <a:t>실행되는앱</a:t>
-                      </a:r>
-                      <a:r>
-                        <a:rPr lang="en-US" altLang="ko-KR" sz="1200" u="none" strike="noStrike" dirty="0">
-                          <a:effectLst/>
-                        </a:rPr>
-                        <a:t>)</a:t>
-                      </a:r>
                       <a:endParaRPr lang="en-US" altLang="ko-KR" sz="1200" b="0" i="0" u="none" strike="noStrike" dirty="0">
                         <a:solidFill>
                           <a:srgbClr val="000000"/>
@@ -1879,64 +1832,6 @@
                       </a:r>
                       <a:endParaRPr lang="en-US" altLang="ko-KR" sz="1200" u="none" strike="noStrike" dirty="0">
                         <a:effectLst/>
-                      </a:endParaRPr>
-                    </a:p>
-                    <a:p>
-                      <a:pPr algn="ctr" fontAlgn="ctr"/>
-                      <a:r>
-                        <a:rPr lang="en-US" altLang="ko-KR" sz="1200" u="none" strike="noStrike" dirty="0">
-                          <a:effectLst/>
-                        </a:rPr>
-                        <a:t>(</a:t>
-                      </a:r>
-                      <a:r>
-                        <a:rPr lang="ko-KR" altLang="en-US" sz="1200" u="none" strike="noStrike" dirty="0">
-                          <a:effectLst/>
-                        </a:rPr>
-                        <a:t>디바이스 앱</a:t>
-                      </a:r>
-                      <a:r>
-                        <a:rPr lang="en-US" altLang="ko-KR" sz="1200" u="none" strike="noStrike" dirty="0">
-                          <a:effectLst/>
-                        </a:rPr>
-                        <a:t>)</a:t>
-                      </a:r>
-                      <a:br>
-                        <a:rPr lang="en-US" altLang="ko-KR" sz="1200" u="none" strike="noStrike" dirty="0">
-                          <a:effectLst/>
-                        </a:rPr>
-                      </a:br>
-                      <a:r>
-                        <a:rPr lang="en-US" altLang="ko-KR" sz="1200" u="none" strike="noStrike" dirty="0">
-                          <a:effectLst/>
-                        </a:rPr>
-                        <a:t>(</a:t>
-                      </a:r>
-                      <a:r>
-                        <a:rPr lang="ko-KR" altLang="en-US" sz="1200" u="none" strike="noStrike" dirty="0" err="1">
-                          <a:effectLst/>
-                        </a:rPr>
-                        <a:t>웹브라우저에서</a:t>
-                      </a:r>
-                      <a:r>
-                        <a:rPr lang="ko-KR" altLang="en-US" sz="1200" u="none" strike="noStrike" dirty="0">
-                          <a:effectLst/>
-                        </a:rPr>
-                        <a:t> 실행되는 앱</a:t>
-                      </a:r>
-                      <a:r>
-                        <a:rPr lang="en-US" altLang="ko-KR" sz="1200" u="none" strike="noStrike" dirty="0">
-                          <a:effectLst/>
-                        </a:rPr>
-                        <a:t>)</a:t>
-                      </a:r>
-                      <a:endParaRPr lang="en-US" altLang="ko-KR" sz="1200" b="0" i="0" u="none" strike="noStrike" dirty="0">
-                        <a:solidFill>
-                          <a:srgbClr val="000000"/>
-                        </a:solidFill>
-                        <a:effectLst/>
-                        <a:latin typeface="맑은 고딕" panose="020B0503020000020004" pitchFamily="50" charset="-127"/>
-                        <a:ea typeface="맑은 고딕" panose="020B0503020000020004" pitchFamily="50" charset="-127"/>
                       </a:endParaRPr>
                     </a:p>
                   </a:txBody>
@@ -3309,12 +3204,12 @@
                     <a:p>
                       <a:pPr algn="ctr" fontAlgn="ctr"/>
                       <a:r>
-                        <a:rPr lang="en-US" sz="1200" u="none" strike="noStrike">
+                        <a:rPr lang="en-US" sz="1200" u="none" strike="noStrike" dirty="0">
                           <a:effectLst/>
                         </a:rPr>
                         <a:t>code</a:t>
                       </a:r>
-                      <a:endParaRPr lang="en-US" sz="1200" b="0" i="0" u="none" strike="noStrike">
+                      <a:endParaRPr lang="en-US" sz="1200" b="0" i="0" u="none" strike="noStrike" dirty="0">
                         <a:solidFill>
                           <a:srgbClr val="000000"/>
                         </a:solidFill>
@@ -3910,7 +3805,7 @@
         <p:spPr>
           <a:xfrm>
             <a:off x="221817" y="6102542"/>
-            <a:ext cx="9347431" cy="523220"/>
+            <a:ext cx="7289175" cy="523220"/>
           </a:xfrm>
           <a:prstGeom prst="rect">
             <a:avLst/>
@@ -3929,7 +3824,7 @@
                   <a:srgbClr val="FF0000"/>
                 </a:solidFill>
               </a:rPr>
-              <a:t>** Implicit </a:t>
+              <a:t>** </a:t>
             </a:r>
             <a:r>
               <a:rPr lang="ko-KR" altLang="en-US" sz="1400" dirty="0">
@@ -3937,39 +3832,7 @@
                   <a:srgbClr val="FF0000"/>
                 </a:solidFill>
               </a:rPr>
-              <a:t>액세스 토큰 발행 시 권한서버에서 클라이언트를 인증하지 않는다고 하나 </a:t>
-            </a:r>
-            <a:r>
-              <a:rPr lang="en-US" altLang="ko-KR" sz="1400" dirty="0" err="1">
-                <a:solidFill>
-                  <a:srgbClr val="FF0000"/>
-                </a:solidFill>
-              </a:rPr>
-              <a:t>client_id</a:t>
-            </a:r>
-            <a:r>
-              <a:rPr lang="ko-KR" altLang="en-US" sz="1400" dirty="0">
-                <a:solidFill>
-                  <a:srgbClr val="FF0000"/>
-                </a:solidFill>
-              </a:rPr>
-              <a:t>를 </a:t>
-            </a:r>
-            <a:r>
-              <a:rPr lang="ko-KR" altLang="en-US" sz="1400" dirty="0" err="1">
-                <a:solidFill>
-                  <a:srgbClr val="FF0000"/>
-                </a:solidFill>
-              </a:rPr>
-              <a:t>필수값으로</a:t>
-            </a:r>
-            <a:r>
-              <a:rPr lang="ko-KR" altLang="en-US" sz="1400" dirty="0">
-                <a:solidFill>
-                  <a:srgbClr val="FF0000"/>
-                </a:solidFill>
-              </a:rPr>
-              <a:t> </a:t>
+              <a:t>기밀 클라이언트와 퍼블릭 클라이언트의 구분은</a:t>
             </a:r>
             <a:endParaRPr lang="en-US" altLang="ko-KR" sz="1400" dirty="0">
               <a:solidFill>
@@ -3992,7 +3855,7 @@
                   <a:srgbClr val="FF0000"/>
                 </a:solidFill>
               </a:rPr>
-              <a:t>전달하는 것으로 보아 인증을 하는 것으로 보임 </a:t>
+              <a:t>권한부여서버의 보안 인증 정의와 자격증명 기밀성 유지 가능여부에 따라 구분될 수 있음</a:t>
             </a:r>
             <a:r>
               <a:rPr lang="en-US" altLang="ko-KR" sz="1400" dirty="0">
@@ -4000,55 +3863,7 @@
                   <a:srgbClr val="FF0000"/>
                 </a:solidFill>
               </a:rPr>
-              <a:t>(</a:t>
-            </a:r>
-            <a:r>
-              <a:rPr lang="en-US" altLang="ko-KR" sz="1400" dirty="0" err="1">
-                <a:solidFill>
-                  <a:srgbClr val="FF0000"/>
-                </a:solidFill>
-              </a:rPr>
-              <a:t>redirect_uri</a:t>
-            </a:r>
-            <a:r>
-              <a:rPr lang="ko-KR" altLang="en-US" sz="1400" dirty="0" err="1">
-                <a:solidFill>
-                  <a:srgbClr val="FF0000"/>
-                </a:solidFill>
-              </a:rPr>
-              <a:t>를</a:t>
-            </a:r>
-            <a:r>
-              <a:rPr lang="ko-KR" altLang="en-US" sz="1400" dirty="0">
-                <a:solidFill>
-                  <a:srgbClr val="FF0000"/>
-                </a:solidFill>
-              </a:rPr>
-              <a:t> 통해 </a:t>
-            </a:r>
-            <a:r>
-              <a:rPr lang="en-US" altLang="ko-KR" sz="1400" dirty="0" err="1">
-                <a:solidFill>
-                  <a:srgbClr val="FF0000"/>
-                </a:solidFill>
-              </a:rPr>
-              <a:t>client_id</a:t>
-            </a:r>
-            <a:r>
-              <a:rPr lang="ko-KR" altLang="en-US" sz="1400" dirty="0">
-                <a:solidFill>
-                  <a:srgbClr val="FF0000"/>
-                </a:solidFill>
-              </a:rPr>
-              <a:t>를 확인할 수 있다고도 기재되어 있음</a:t>
-            </a:r>
-            <a:r>
-              <a:rPr lang="en-US" altLang="ko-KR" sz="1400" dirty="0">
-                <a:solidFill>
-                  <a:srgbClr val="FF0000"/>
-                </a:solidFill>
-              </a:rPr>
-              <a:t>)</a:t>
+              <a:t>.</a:t>
             </a:r>
             <a:endParaRPr lang="ko-KR" altLang="en-US" sz="1400" dirty="0">
               <a:solidFill>
@@ -4499,53 +4314,6 @@
           </p:spPr>
         </p:pic>
       </p:grpSp>
-      <p:pic>
-        <p:nvPicPr>
-          <p:cNvPr id="12" name="Picture 2" descr="G:\01_work\다날로고모음\11_1_Branch_entertainment CI세트\다날엔터_logo_01.png">
-            <a:extLst>
-              <a:ext uri="{FF2B5EF4-FFF2-40B4-BE49-F238E27FC236}">
-                <a16:creationId xmlns:a16="http://schemas.microsoft.com/office/drawing/2014/main" id="{2CC0F3DF-BDD7-464B-9D6D-7FC23D569BE6}"/>
-              </a:ext>
-            </a:extLst>
-          </p:cNvPr>
-          <p:cNvPicPr>
-            <a:picLocks noChangeAspect="1" noChangeArrowheads="1"/>
-          </p:cNvPicPr>
-          <p:nvPr/>
-        </p:nvPicPr>
-        <p:blipFill>
-          <a:blip r:embed="rId7" cstate="print">
-            <a:extLst>
-              <a:ext uri="{28A0092B-C50C-407E-A947-70E740481C1C}">
-                <a14:useLocalDpi xmlns:a14="http://schemas.microsoft.com/office/drawing/2010/main" val="0"/>
-              </a:ext>
-            </a:extLst>
-          </a:blip>
-          <a:srcRect/>
-          <a:stretch>
-            <a:fillRect/>
-          </a:stretch>
-        </p:blipFill>
-        <p:spPr bwMode="auto">
-          <a:xfrm>
-            <a:off x="4495854" y="4866495"/>
-            <a:ext cx="914293" cy="430855"/>
-          </a:xfrm>
-          <a:prstGeom prst="rect">
-            <a:avLst/>
-          </a:prstGeom>
-          <a:noFill/>
-          <a:extLst>
-            <a:ext uri="{909E8E84-426E-40DD-AFC4-6F175D3DCCD1}">
-              <a14:hiddenFill xmlns:a14="http://schemas.microsoft.com/office/drawing/2010/main">
-                <a:solidFill>
-                  <a:srgbClr val="FFFFFF"/>
-                </a:solidFill>
-              </a14:hiddenFill>
-            </a:ext>
-          </a:extLst>
-        </p:spPr>
-      </p:pic>
     </p:spTree>
     <p:extLst>
       <p:ext uri="{BB962C8B-B14F-4D97-AF65-F5344CB8AC3E}">
@@ -9274,53 +9042,6 @@
           </p:spPr>
         </p:pic>
       </p:grpSp>
-      <p:pic>
-        <p:nvPicPr>
-          <p:cNvPr id="12" name="Picture 2" descr="G:\01_work\다날로고모음\11_1_Branch_entertainment CI세트\다날엔터_logo_01.png">
-            <a:extLst>
-              <a:ext uri="{FF2B5EF4-FFF2-40B4-BE49-F238E27FC236}">
-                <a16:creationId xmlns:a16="http://schemas.microsoft.com/office/drawing/2014/main" id="{2CC0F3DF-BDD7-464B-9D6D-7FC23D569BE6}"/>
-              </a:ext>
-            </a:extLst>
-          </p:cNvPr>
-          <p:cNvPicPr>
-            <a:picLocks noChangeAspect="1" noChangeArrowheads="1"/>
-          </p:cNvPicPr>
-          <p:nvPr/>
-        </p:nvPicPr>
-        <p:blipFill>
-          <a:blip r:embed="rId6" cstate="print">
-            <a:extLst>
-              <a:ext uri="{28A0092B-C50C-407E-A947-70E740481C1C}">
-                <a14:useLocalDpi xmlns:a14="http://schemas.microsoft.com/office/drawing/2010/main" val="0"/>
-              </a:ext>
-            </a:extLst>
-          </a:blip>
-          <a:srcRect/>
-          <a:stretch>
-            <a:fillRect/>
-          </a:stretch>
-        </p:blipFill>
-        <p:spPr bwMode="auto">
-          <a:xfrm>
-            <a:off x="4276046" y="5710557"/>
-            <a:ext cx="914293" cy="430855"/>
-          </a:xfrm>
-          <a:prstGeom prst="rect">
-            <a:avLst/>
-          </a:prstGeom>
-          <a:noFill/>
-          <a:extLst>
-            <a:ext uri="{909E8E84-426E-40DD-AFC4-6F175D3DCCD1}">
-              <a14:hiddenFill xmlns:a14="http://schemas.microsoft.com/office/drawing/2010/main">
-                <a:solidFill>
-                  <a:srgbClr val="FFFFFF"/>
-                </a:solidFill>
-              </a14:hiddenFill>
-            </a:ext>
-          </a:extLst>
-        </p:spPr>
-      </p:pic>
       <p:sp>
         <p:nvSpPr>
           <p:cNvPr id="13" name="TextBox 12">
@@ -9483,7 +9204,7 @@
           <p:nvPr/>
         </p:nvPicPr>
         <p:blipFill>
-          <a:blip r:embed="rId7"/>
+          <a:blip r:embed="rId6"/>
           <a:stretch>
             <a:fillRect/>
           </a:stretch>
@@ -11581,53 +11302,6 @@
           </p:spPr>
         </p:pic>
       </p:grpSp>
-      <p:pic>
-        <p:nvPicPr>
-          <p:cNvPr id="12" name="Picture 2" descr="G:\01_work\다날로고모음\11_1_Branch_entertainment CI세트\다날엔터_logo_01.png">
-            <a:extLst>
-              <a:ext uri="{FF2B5EF4-FFF2-40B4-BE49-F238E27FC236}">
-                <a16:creationId xmlns:a16="http://schemas.microsoft.com/office/drawing/2014/main" id="{2CC0F3DF-BDD7-464B-9D6D-7FC23D569BE6}"/>
-              </a:ext>
-            </a:extLst>
-          </p:cNvPr>
-          <p:cNvPicPr>
-            <a:picLocks noChangeAspect="1" noChangeArrowheads="1"/>
-          </p:cNvPicPr>
-          <p:nvPr/>
-        </p:nvPicPr>
-        <p:blipFill>
-          <a:blip r:embed="rId6" cstate="print">
-            <a:extLst>
-              <a:ext uri="{28A0092B-C50C-407E-A947-70E740481C1C}">
-                <a14:useLocalDpi xmlns:a14="http://schemas.microsoft.com/office/drawing/2010/main" val="0"/>
-              </a:ext>
-            </a:extLst>
-          </a:blip>
-          <a:srcRect/>
-          <a:stretch>
-            <a:fillRect/>
-          </a:stretch>
-        </p:blipFill>
-        <p:spPr bwMode="auto">
-          <a:xfrm>
-            <a:off x="4598430" y="4140146"/>
-            <a:ext cx="914293" cy="430855"/>
-          </a:xfrm>
-          <a:prstGeom prst="rect">
-            <a:avLst/>
-          </a:prstGeom>
-          <a:noFill/>
-          <a:extLst>
-            <a:ext uri="{909E8E84-426E-40DD-AFC4-6F175D3DCCD1}">
-              <a14:hiddenFill xmlns:a14="http://schemas.microsoft.com/office/drawing/2010/main">
-                <a:solidFill>
-                  <a:srgbClr val="FFFFFF"/>
-                </a:solidFill>
-              </a14:hiddenFill>
-            </a:ext>
-          </a:extLst>
-        </p:spPr>
-      </p:pic>
       <p:sp>
         <p:nvSpPr>
           <p:cNvPr id="14" name="TextBox 13">
@@ -12287,7 +11961,7 @@
         <p:spPr>
           <a:xfrm>
             <a:off x="861174" y="1345224"/>
-            <a:ext cx="8183653" cy="1815882"/>
+            <a:ext cx="8183653" cy="1569660"/>
           </a:xfrm>
           <a:prstGeom prst="rect">
             <a:avLst/>
@@ -12431,17 +12105,6 @@
             <a:r>
               <a:rPr lang="ko-KR" altLang="en-US" sz="1600" dirty="0"/>
               <a:t>아니면 필수</a:t>
-            </a:r>
-            <a:endParaRPr lang="en-US" altLang="ko-KR" sz="1600" dirty="0"/>
-          </a:p>
-          <a:p>
-            <a:r>
-              <a:rPr lang="en-US" altLang="ko-KR" sz="1600" dirty="0"/>
-              <a:t>** </a:t>
-            </a:r>
-            <a:r>
-              <a:rPr lang="ko-KR" altLang="en-US" sz="1600" dirty="0"/>
-              <a:t>액세스 토큰 발급 완료 시 사용자 자격증명 삭제 필요</a:t>
             </a:r>
             <a:endParaRPr lang="en-US" altLang="ko-KR" sz="1600" dirty="0"/>
           </a:p>
@@ -13663,53 +13326,6 @@
           </p:spPr>
         </p:pic>
       </p:grpSp>
-      <p:pic>
-        <p:nvPicPr>
-          <p:cNvPr id="12" name="Picture 2" descr="G:\01_work\다날로고모음\11_1_Branch_entertainment CI세트\다날엔터_logo_01.png">
-            <a:extLst>
-              <a:ext uri="{FF2B5EF4-FFF2-40B4-BE49-F238E27FC236}">
-                <a16:creationId xmlns:a16="http://schemas.microsoft.com/office/drawing/2014/main" id="{2CC0F3DF-BDD7-464B-9D6D-7FC23D569BE6}"/>
-              </a:ext>
-            </a:extLst>
-          </p:cNvPr>
-          <p:cNvPicPr>
-            <a:picLocks noChangeAspect="1" noChangeArrowheads="1"/>
-          </p:cNvPicPr>
-          <p:nvPr/>
-        </p:nvPicPr>
-        <p:blipFill>
-          <a:blip r:embed="rId6" cstate="print">
-            <a:extLst>
-              <a:ext uri="{28A0092B-C50C-407E-A947-70E740481C1C}">
-                <a14:useLocalDpi xmlns:a14="http://schemas.microsoft.com/office/drawing/2010/main" val="0"/>
-              </a:ext>
-            </a:extLst>
-          </a:blip>
-          <a:srcRect/>
-          <a:stretch>
-            <a:fillRect/>
-          </a:stretch>
-        </p:blipFill>
-        <p:spPr bwMode="auto">
-          <a:xfrm>
-            <a:off x="4572054" y="3551618"/>
-            <a:ext cx="914293" cy="430855"/>
-          </a:xfrm>
-          <a:prstGeom prst="rect">
-            <a:avLst/>
-          </a:prstGeom>
-          <a:noFill/>
-          <a:extLst>
-            <a:ext uri="{909E8E84-426E-40DD-AFC4-6F175D3DCCD1}">
-              <a14:hiddenFill xmlns:a14="http://schemas.microsoft.com/office/drawing/2010/main">
-                <a:solidFill>
-                  <a:srgbClr val="FFFFFF"/>
-                </a:solidFill>
-              </a14:hiddenFill>
-            </a:ext>
-          </a:extLst>
-        </p:spPr>
-      </p:pic>
       <p:sp>
         <p:nvSpPr>
           <p:cNvPr id="13" name="TextBox 12">
@@ -14720,23 +14336,24 @@
             </a:r>
             <a:r>
               <a:rPr lang="en-US" altLang="ko-KR" sz="1600" dirty="0"/>
-              <a:t>Response(redirect 302,</a:t>
-            </a:r>
-            <a:r>
-              <a:rPr lang="ko-KR" altLang="en-US" sz="1600" dirty="0"/>
-              <a:t> </a:t>
-            </a:r>
-            <a:r>
-              <a:rPr lang="en-US" altLang="ko-KR" sz="1600" dirty="0"/>
-              <a:t>application / x-www-form-</a:t>
-            </a:r>
-            <a:r>
-              <a:rPr lang="en-US" altLang="ko-KR" sz="1600" dirty="0" err="1"/>
-              <a:t>urlencoded</a:t>
-            </a:r>
-            <a:r>
-              <a:rPr lang="en-US" altLang="ko-KR" sz="1600" dirty="0"/>
-              <a:t> (fragment) )</a:t>
+              <a:t>Response(</a:t>
+            </a:r>
+            <a:r>
+              <a:rPr lang="en-US" altLang="ko-KR" sz="1600" b="0" i="0" dirty="0">
+                <a:solidFill>
+                  <a:schemeClr val="tx1">
+                    <a:lumMod val="95000"/>
+                    <a:lumOff val="5000"/>
+                  </a:schemeClr>
+                </a:solidFill>
+                <a:effectLst/>
+                <a:latin typeface="RobotoMono Regular"/>
+              </a:rPr>
+              <a:t>application/json</a:t>
+            </a:r>
+            <a:r>
+              <a:rPr lang="en-US" altLang="ko-KR" sz="1600" dirty="0"/>
+              <a:t>)</a:t>
             </a:r>
           </a:p>
           <a:p>
@@ -14815,272 +14432,6 @@
           </a:p>
           <a:p>
             <a:endParaRPr lang="en-US" altLang="ko-KR" sz="1600" dirty="0"/>
-          </a:p>
-        </p:txBody>
-      </p:sp>
-      <p:sp>
-        <p:nvSpPr>
-          <p:cNvPr id="6" name="TextBox 5">
-            <a:extLst>
-              <a:ext uri="{FF2B5EF4-FFF2-40B4-BE49-F238E27FC236}">
-                <a16:creationId xmlns:a16="http://schemas.microsoft.com/office/drawing/2014/main" id="{F2CF1465-A974-4A15-AB33-C38D5BF487C1}"/>
-              </a:ext>
-            </a:extLst>
-          </p:cNvPr>
-          <p:cNvSpPr txBox="1"/>
-          <p:nvPr/>
-        </p:nvSpPr>
-        <p:spPr>
-          <a:xfrm>
-            <a:off x="869016" y="3630807"/>
-            <a:ext cx="4574707" cy="1569660"/>
-          </a:xfrm>
-          <a:prstGeom prst="rect">
-            <a:avLst/>
-          </a:prstGeom>
-          <a:noFill/>
-        </p:spPr>
-        <p:txBody>
-          <a:bodyPr wrap="square">
-            <a:spAutoFit/>
-          </a:bodyPr>
-          <a:lstStyle/>
-          <a:p>
-            <a:r>
-              <a:rPr lang="en-US" altLang="ko-KR" sz="1200" b="0" i="0" dirty="0">
-                <a:solidFill>
-                  <a:schemeClr val="tx1">
-                    <a:lumMod val="75000"/>
-                    <a:lumOff val="25000"/>
-                  </a:schemeClr>
-                </a:solidFill>
-                <a:effectLst/>
-                <a:latin typeface="RobotoMono Regular"/>
-              </a:rPr>
-              <a:t>HTTP/1.1</a:t>
-            </a:r>
-            <a:r>
-              <a:rPr lang="en-US" altLang="ko-KR" sz="1200" b="0" i="0" dirty="0">
-                <a:solidFill>
-                  <a:srgbClr val="DCDCDC"/>
-                </a:solidFill>
-                <a:effectLst/>
-                <a:latin typeface="RobotoMono Regular"/>
-              </a:rPr>
-              <a:t> </a:t>
-            </a:r>
-            <a:r>
-              <a:rPr lang="en-US" altLang="ko-KR" sz="1200" b="0" i="0" dirty="0">
-                <a:solidFill>
-                  <a:srgbClr val="B8D7A3"/>
-                </a:solidFill>
-                <a:effectLst/>
-                <a:latin typeface="RobotoMono Regular"/>
-              </a:rPr>
-              <a:t>400</a:t>
-            </a:r>
-            <a:r>
-              <a:rPr lang="en-US" altLang="ko-KR" sz="1200" b="0" i="0" dirty="0">
-                <a:solidFill>
-                  <a:srgbClr val="DCDCDC"/>
-                </a:solidFill>
-                <a:effectLst/>
-                <a:latin typeface="RobotoMono Regular"/>
-              </a:rPr>
-              <a:t> </a:t>
-            </a:r>
-            <a:r>
-              <a:rPr lang="en-US" altLang="ko-KR" sz="1200" dirty="0">
-                <a:solidFill>
-                  <a:schemeClr val="tx1">
-                    <a:lumMod val="75000"/>
-                    <a:lumOff val="25000"/>
-                  </a:schemeClr>
-                </a:solidFill>
-                <a:latin typeface="RobotoMono Regular"/>
-              </a:rPr>
-              <a:t>Bad Request</a:t>
-            </a:r>
-            <a:r>
-              <a:rPr lang="en-US" altLang="ko-KR" sz="1200" b="0" i="0" dirty="0">
-                <a:solidFill>
-                  <a:srgbClr val="DCDCDC"/>
-                </a:solidFill>
-                <a:effectLst/>
-                <a:latin typeface="RobotoMono Regular"/>
-              </a:rPr>
-              <a:t> </a:t>
-            </a:r>
-          </a:p>
-          <a:p>
-            <a:r>
-              <a:rPr lang="en-US" altLang="ko-KR" sz="1200" b="0" i="0" dirty="0">
-                <a:solidFill>
-                  <a:schemeClr val="tx1">
-                    <a:lumMod val="75000"/>
-                    <a:lumOff val="25000"/>
-                  </a:schemeClr>
-                </a:solidFill>
-                <a:effectLst/>
-                <a:latin typeface="RobotoMono Regular"/>
-              </a:rPr>
-              <a:t>Content-Type: application/</a:t>
-            </a:r>
-            <a:r>
-              <a:rPr lang="en-US" altLang="ko-KR" sz="1200" b="0" i="0" dirty="0" err="1">
-                <a:solidFill>
-                  <a:schemeClr val="tx1">
-                    <a:lumMod val="75000"/>
-                    <a:lumOff val="25000"/>
-                  </a:schemeClr>
-                </a:solidFill>
-                <a:effectLst/>
-                <a:latin typeface="RobotoMono Regular"/>
-              </a:rPr>
-              <a:t>json;charset</a:t>
-            </a:r>
-            <a:r>
-              <a:rPr lang="en-US" altLang="ko-KR" sz="1200" b="0" i="0" dirty="0">
-                <a:solidFill>
-                  <a:schemeClr val="tx1">
-                    <a:lumMod val="75000"/>
-                    <a:lumOff val="25000"/>
-                  </a:schemeClr>
-                </a:solidFill>
-                <a:effectLst/>
-                <a:latin typeface="RobotoMono Regular"/>
-              </a:rPr>
-              <a:t>=UTF-8</a:t>
-            </a:r>
-          </a:p>
-          <a:p>
-            <a:r>
-              <a:rPr lang="en-US" altLang="ko-KR" sz="1200" b="0" i="0" dirty="0">
-                <a:solidFill>
-                  <a:schemeClr val="tx1">
-                    <a:lumMod val="75000"/>
-                    <a:lumOff val="25000"/>
-                  </a:schemeClr>
-                </a:solidFill>
-                <a:effectLst/>
-                <a:latin typeface="RobotoMono Regular"/>
-              </a:rPr>
-              <a:t>Cache-Control: no-store</a:t>
-            </a:r>
-          </a:p>
-          <a:p>
-            <a:r>
-              <a:rPr lang="en-US" altLang="ko-KR" sz="1200" b="0" i="0" dirty="0">
-                <a:solidFill>
-                  <a:schemeClr val="tx1">
-                    <a:lumMod val="75000"/>
-                    <a:lumOff val="25000"/>
-                  </a:schemeClr>
-                </a:solidFill>
-                <a:effectLst/>
-                <a:latin typeface="RobotoMono Regular"/>
-              </a:rPr>
-              <a:t>Pragma: no-cache</a:t>
-            </a:r>
-          </a:p>
-          <a:p>
-            <a:endParaRPr lang="en-US" altLang="ko-KR" sz="1200" dirty="0">
-              <a:solidFill>
-                <a:srgbClr val="B8D7A3"/>
-              </a:solidFill>
-              <a:latin typeface="RobotoMono Regular"/>
-            </a:endParaRPr>
-          </a:p>
-          <a:p>
-            <a:r>
-              <a:rPr lang="en-US" altLang="ko-KR" sz="1200" b="0" i="0" dirty="0">
-                <a:solidFill>
-                  <a:srgbClr val="DCDCDC"/>
-                </a:solidFill>
-                <a:effectLst/>
-                <a:latin typeface="RobotoMono Regular"/>
-              </a:rPr>
-              <a:t>{ </a:t>
-            </a:r>
-          </a:p>
-          <a:p>
-            <a:r>
-              <a:rPr lang="en-US" altLang="ko-KR" sz="1200" b="0" i="0" dirty="0">
-                <a:solidFill>
-                  <a:srgbClr val="9CDCFE"/>
-                </a:solidFill>
-                <a:effectLst/>
-                <a:latin typeface="RobotoMono Regular"/>
-              </a:rPr>
-              <a:t>“error"</a:t>
-            </a:r>
-            <a:r>
-              <a:rPr lang="en-US" altLang="ko-KR" sz="1200" b="0" i="0" dirty="0">
-                <a:solidFill>
-                  <a:srgbClr val="DCDCDC"/>
-                </a:solidFill>
-                <a:effectLst/>
-                <a:latin typeface="RobotoMono Regular"/>
-              </a:rPr>
-              <a:t>:</a:t>
-            </a:r>
-            <a:r>
-              <a:rPr lang="en-US" altLang="ko-KR" sz="1200" b="0" i="0" dirty="0">
-                <a:solidFill>
-                  <a:srgbClr val="DA7D56"/>
-                </a:solidFill>
-                <a:effectLst/>
-                <a:latin typeface="RobotoMono Regular"/>
-              </a:rPr>
-              <a:t>“</a:t>
-            </a:r>
-            <a:r>
-              <a:rPr lang="en-US" altLang="ko-KR" sz="1200" b="0" i="0" dirty="0" err="1">
-                <a:solidFill>
-                  <a:srgbClr val="DA7D56"/>
-                </a:solidFill>
-                <a:effectLst/>
-                <a:latin typeface="RobotoMono Regular"/>
-              </a:rPr>
-              <a:t>invalid_request</a:t>
-            </a:r>
-            <a:r>
-              <a:rPr lang="en-US" altLang="ko-KR" sz="1200" b="0" i="0" dirty="0">
-                <a:solidFill>
-                  <a:srgbClr val="DA7D56"/>
-                </a:solidFill>
-                <a:effectLst/>
-                <a:latin typeface="RobotoMono Regular"/>
-              </a:rPr>
-              <a:t>"</a:t>
-            </a:r>
-            <a:endParaRPr lang="en-US" altLang="ko-KR" sz="1200" b="0" i="0" dirty="0">
-              <a:solidFill>
-                <a:srgbClr val="DCDCDC"/>
-              </a:solidFill>
-              <a:effectLst/>
-              <a:latin typeface="RobotoMono Regular"/>
-            </a:endParaRPr>
-          </a:p>
-          <a:p>
-            <a:r>
-              <a:rPr lang="en-US" altLang="ko-KR" sz="1200" b="0" i="0" dirty="0">
-                <a:solidFill>
-                  <a:srgbClr val="DCDCDC"/>
-                </a:solidFill>
-                <a:effectLst/>
-                <a:latin typeface="RobotoMono Regular"/>
-              </a:rPr>
-              <a:t>}</a:t>
-            </a:r>
-            <a:endParaRPr lang="ko-KR" altLang="en-US" sz="1200" dirty="0">
-              <a:solidFill>
-                <a:schemeClr val="tx1">
-                  <a:lumMod val="85000"/>
-                  <a:lumOff val="15000"/>
-                </a:schemeClr>
-              </a:solidFill>
-            </a:endParaRPr>
           </a:p>
         </p:txBody>
       </p:sp>
@@ -15131,6 +14482,136 @@
               <a:rPr lang="en-US" altLang="ko-KR" dirty="0"/>
               <a:t>Client Credentials</a:t>
             </a:r>
+          </a:p>
+        </p:txBody>
+      </p:sp>
+      <p:pic>
+        <p:nvPicPr>
+          <p:cNvPr id="7" name="그림 6">
+            <a:extLst>
+              <a:ext uri="{FF2B5EF4-FFF2-40B4-BE49-F238E27FC236}">
+                <a16:creationId xmlns:a16="http://schemas.microsoft.com/office/drawing/2014/main" id="{9E2753AA-DA5D-41E2-BC6A-F632A696A253}"/>
+              </a:ext>
+            </a:extLst>
+          </p:cNvPr>
+          <p:cNvPicPr>
+            <a:picLocks noChangeAspect="1"/>
+          </p:cNvPicPr>
+          <p:nvPr/>
+        </p:nvPicPr>
+        <p:blipFill>
+          <a:blip r:embed="rId2"/>
+          <a:stretch>
+            <a:fillRect/>
+          </a:stretch>
+        </p:blipFill>
+        <p:spPr>
+          <a:xfrm>
+            <a:off x="889221" y="3498876"/>
+            <a:ext cx="347246" cy="357822"/>
+          </a:xfrm>
+          <a:prstGeom prst="rect">
+            <a:avLst/>
+          </a:prstGeom>
+        </p:spPr>
+      </p:pic>
+      <p:sp>
+        <p:nvSpPr>
+          <p:cNvPr id="8" name="TextBox 7">
+            <a:extLst>
+              <a:ext uri="{FF2B5EF4-FFF2-40B4-BE49-F238E27FC236}">
+                <a16:creationId xmlns:a16="http://schemas.microsoft.com/office/drawing/2014/main" id="{755A7D9D-E7EC-4538-8DB5-820BF2A87136}"/>
+              </a:ext>
+            </a:extLst>
+          </p:cNvPr>
+          <p:cNvSpPr txBox="1"/>
+          <p:nvPr/>
+        </p:nvSpPr>
+        <p:spPr>
+          <a:xfrm>
+            <a:off x="1190367" y="3779362"/>
+            <a:ext cx="8049428" cy="646331"/>
+          </a:xfrm>
+          <a:prstGeom prst="rect">
+            <a:avLst/>
+          </a:prstGeom>
+          <a:noFill/>
+        </p:spPr>
+        <p:txBody>
+          <a:bodyPr wrap="square">
+            <a:spAutoFit/>
+          </a:bodyPr>
+          <a:lstStyle/>
+          <a:p>
+            <a:r>
+              <a:rPr lang="en-US" altLang="ko-KR" sz="1200" b="0" i="0" dirty="0">
+                <a:solidFill>
+                  <a:srgbClr val="DA7D56"/>
+                </a:solidFill>
+                <a:effectLst/>
+                <a:latin typeface="RobotoMono Regular"/>
+              </a:rPr>
+              <a:t>{</a:t>
+            </a:r>
+          </a:p>
+          <a:p>
+            <a:r>
+              <a:rPr lang="en-US" altLang="ko-KR" sz="1200" b="0" i="0" dirty="0">
+                <a:solidFill>
+                  <a:srgbClr val="DA7D56"/>
+                </a:solidFill>
+                <a:effectLst/>
+                <a:latin typeface="RobotoMono Regular"/>
+              </a:rPr>
+              <a:t>  "</a:t>
+            </a:r>
+            <a:r>
+              <a:rPr lang="en-US" altLang="ko-KR" sz="1200" dirty="0">
+                <a:solidFill>
+                  <a:srgbClr val="DA7D56"/>
+                </a:solidFill>
+                <a:latin typeface="RobotoMono Regular"/>
+              </a:rPr>
+              <a:t>error": "</a:t>
+            </a:r>
+            <a:r>
+              <a:rPr lang="en-US" altLang="ko-KR" sz="1200" dirty="0" err="1">
+                <a:solidFill>
+                  <a:srgbClr val="DA7D56"/>
+                </a:solidFill>
+                <a:latin typeface="RobotoMono Regular"/>
+              </a:rPr>
+              <a:t>access_denied</a:t>
+            </a:r>
+            <a:r>
+              <a:rPr lang="en-US" altLang="ko-KR" sz="1200" dirty="0">
+                <a:solidFill>
+                  <a:srgbClr val="DA7D56"/>
+                </a:solidFill>
+                <a:latin typeface="RobotoMono Regular"/>
+              </a:rPr>
+              <a:t>"</a:t>
+            </a:r>
+          </a:p>
+          <a:p>
+            <a:r>
+              <a:rPr lang="en-US" altLang="ko-KR" sz="1200" b="0" i="0" dirty="0">
+                <a:solidFill>
+                  <a:srgbClr val="DA7D56"/>
+                </a:solidFill>
+                <a:effectLst/>
+                <a:latin typeface="RobotoMono Regular"/>
+              </a:rPr>
+              <a:t>}</a:t>
+            </a:r>
+            <a:endParaRPr lang="ko-KR" altLang="en-US" sz="1200" dirty="0">
+              <a:solidFill>
+                <a:schemeClr val="tx1">
+                  <a:lumMod val="85000"/>
+                  <a:lumOff val="15000"/>
+                </a:schemeClr>
+              </a:solidFill>
+            </a:endParaRPr>
           </a:p>
         </p:txBody>
       </p:sp>
@@ -15238,7 +14719,7 @@
         <p:spPr>
           <a:xfrm>
             <a:off x="861174" y="1397981"/>
-            <a:ext cx="8183653" cy="4031873"/>
+            <a:ext cx="8183653" cy="4770537"/>
           </a:xfrm>
           <a:prstGeom prst="rect">
             <a:avLst/>
@@ -15375,7 +14856,7 @@
             </a:r>
             <a:r>
               <a:rPr lang="en-US" altLang="ko-KR" sz="1600" dirty="0" err="1"/>
-              <a:t>SamgeSite</a:t>
+              <a:t>SameSite</a:t>
             </a:r>
             <a:r>
               <a:rPr lang="en-US" altLang="ko-KR" sz="1600" dirty="0"/>
@@ -15412,6 +14893,60 @@
             <a:r>
               <a:rPr lang="en-US" altLang="ko-KR" sz="1600" dirty="0"/>
               <a:t>)</a:t>
+            </a:r>
+          </a:p>
+          <a:p>
+            <a:pPr lvl="1"/>
+            <a:r>
+              <a:rPr lang="en-US" altLang="ko-KR" sz="1600" dirty="0"/>
+              <a:t>: DB</a:t>
+            </a:r>
+          </a:p>
+          <a:p>
+            <a:pPr lvl="1"/>
+            <a:r>
+              <a:rPr lang="en-US" altLang="ko-KR" sz="1600" dirty="0"/>
+              <a:t>server</a:t>
+            </a:r>
+            <a:r>
+              <a:rPr lang="ko-KR" altLang="en-US" sz="1600" dirty="0"/>
+              <a:t> </a:t>
+            </a:r>
+            <a:r>
+              <a:rPr lang="en-US" altLang="ko-KR" sz="1600" dirty="0"/>
+              <a:t>to</a:t>
+            </a:r>
+            <a:r>
+              <a:rPr lang="ko-KR" altLang="en-US" sz="1600" dirty="0"/>
+              <a:t> </a:t>
+            </a:r>
+            <a:r>
+              <a:rPr lang="en-US" altLang="ko-KR" sz="1600" dirty="0"/>
+              <a:t>server</a:t>
+            </a:r>
+            <a:r>
+              <a:rPr lang="ko-KR" altLang="en-US" sz="1600" dirty="0"/>
+              <a:t> 간 통신에 있어서는 </a:t>
+            </a:r>
+            <a:r>
+              <a:rPr lang="en-US" altLang="ko-KR" sz="1600" dirty="0"/>
+              <a:t>cookie</a:t>
+            </a:r>
+            <a:r>
+              <a:rPr lang="ko-KR" altLang="en-US" sz="1600" dirty="0"/>
+              <a:t>의 활용이 불가하므로 </a:t>
+            </a:r>
+            <a:r>
+              <a:rPr lang="en-US" altLang="ko-KR" sz="1600" dirty="0"/>
+              <a:t>DB</a:t>
+            </a:r>
+            <a:r>
+              <a:rPr lang="ko-KR" altLang="en-US" sz="1600" dirty="0"/>
+              <a:t>에 저장 후 별도의 모듈로 관리하는 것이 일반적임</a:t>
+            </a:r>
+            <a:r>
+              <a:rPr lang="en-US" altLang="ko-KR" sz="1600" dirty="0"/>
+              <a:t>.</a:t>
             </a:r>
           </a:p>
           <a:p>
@@ -15717,53 +15252,6 @@
       </p:grpSp>
       <p:pic>
         <p:nvPicPr>
-          <p:cNvPr id="11" name="Picture 2" descr="G:\01_work\다날로고모음\11_1_Branch_entertainment CI세트\다날엔터_logo_01.png">
-            <a:extLst>
-              <a:ext uri="{FF2B5EF4-FFF2-40B4-BE49-F238E27FC236}">
-                <a16:creationId xmlns:a16="http://schemas.microsoft.com/office/drawing/2014/main" id="{42FB45A8-30D1-4416-86E1-8FCFBB8E9495}"/>
-              </a:ext>
-            </a:extLst>
-          </p:cNvPr>
-          <p:cNvPicPr>
-            <a:picLocks noChangeAspect="1" noChangeArrowheads="1"/>
-          </p:cNvPicPr>
-          <p:nvPr/>
-        </p:nvPicPr>
-        <p:blipFill>
-          <a:blip r:embed="rId5" cstate="print">
-            <a:extLst>
-              <a:ext uri="{28A0092B-C50C-407E-A947-70E740481C1C}">
-                <a14:useLocalDpi xmlns:a14="http://schemas.microsoft.com/office/drawing/2010/main" val="0"/>
-              </a:ext>
-            </a:extLst>
-          </a:blip>
-          <a:srcRect/>
-          <a:stretch>
-            <a:fillRect/>
-          </a:stretch>
-        </p:blipFill>
-        <p:spPr bwMode="auto">
-          <a:xfrm>
-            <a:off x="1321611" y="2343745"/>
-            <a:ext cx="1227355" cy="578382"/>
-          </a:xfrm>
-          <a:prstGeom prst="rect">
-            <a:avLst/>
-          </a:prstGeom>
-          <a:noFill/>
-          <a:extLst>
-            <a:ext uri="{909E8E84-426E-40DD-AFC4-6F175D3DCCD1}">
-              <a14:hiddenFill xmlns:a14="http://schemas.microsoft.com/office/drawing/2010/main">
-                <a:solidFill>
-                  <a:srgbClr val="FFFFFF"/>
-                </a:solidFill>
-              </a14:hiddenFill>
-            </a:ext>
-          </a:extLst>
-        </p:spPr>
-      </p:pic>
-      <p:pic>
-        <p:nvPicPr>
           <p:cNvPr id="17" name="그림 16">
             <a:extLst>
               <a:ext uri="{FF2B5EF4-FFF2-40B4-BE49-F238E27FC236}">
@@ -15777,7 +15265,7 @@
           <p:nvPr/>
         </p:nvPicPr>
         <p:blipFill>
-          <a:blip r:embed="rId6"/>
+          <a:blip r:embed="rId5"/>
           <a:stretch>
             <a:fillRect/>
           </a:stretch>
@@ -18543,36 +18031,6 @@
           <a:chExt cx="0" cy="0"/>
         </a:xfrm>
       </p:grpSpPr>
-      <p:pic>
-        <p:nvPicPr>
-          <p:cNvPr id="5" name="그림 4"/>
-          <p:cNvPicPr>
-            <a:picLocks noChangeAspect="1"/>
-          </p:cNvPicPr>
-          <p:nvPr/>
-        </p:nvPicPr>
-        <p:blipFill>
-          <a:blip r:embed="rId2">
-            <a:extLst>
-              <a:ext uri="{28A0092B-C50C-407E-A947-70E740481C1C}">
-                <a14:useLocalDpi xmlns:a14="http://schemas.microsoft.com/office/drawing/2010/main" val="0"/>
-              </a:ext>
-            </a:extLst>
-          </a:blip>
-          <a:stretch>
-            <a:fillRect/>
-          </a:stretch>
-        </p:blipFill>
-        <p:spPr>
-          <a:xfrm>
-            <a:off x="1525" y="0"/>
-            <a:ext cx="9902952" cy="6858000"/>
-          </a:xfrm>
-          <a:prstGeom prst="rect">
-            <a:avLst/>
-          </a:prstGeom>
-        </p:spPr>
-      </p:pic>
       <p:sp>
         <p:nvSpPr>
           <p:cNvPr id="2" name="제목 1"/>
@@ -18598,9 +18056,6 @@
             <a:pPr algn="ctr"/>
             <a:r>
               <a:rPr lang="en-US" altLang="ko-KR" sz="3199" b="1" dirty="0">
-                <a:solidFill>
-                  <a:schemeClr val="bg1"/>
-                </a:solidFill>
                 <a:latin typeface="+mn-ea"/>
                 <a:ea typeface="+mn-ea"/>
               </a:rPr>
@@ -18608,9 +18063,6 @@
             </a:r>
             <a:r>
               <a:rPr lang="ko-KR" altLang="en-US" sz="3199" b="1" dirty="0">
-                <a:solidFill>
-                  <a:schemeClr val="bg1"/>
-                </a:solidFill>
                 <a:latin typeface="+mn-ea"/>
                 <a:ea typeface="+mn-ea"/>
               </a:rPr>
@@ -18618,9 +18070,6 @@
             </a:r>
             <a:r>
               <a:rPr lang="en-US" altLang="ko-KR" sz="3199" b="1" dirty="0">
-                <a:solidFill>
-                  <a:schemeClr val="bg1"/>
-                </a:solidFill>
                 <a:latin typeface="+mn-ea"/>
                 <a:ea typeface="+mn-ea"/>
               </a:rPr>
@@ -18628,9 +18077,6 @@
             </a:r>
             <a:r>
               <a:rPr lang="ko-KR" altLang="en-US" sz="3199" b="1" dirty="0">
-                <a:solidFill>
-                  <a:schemeClr val="bg1"/>
-                </a:solidFill>
                 <a:latin typeface="+mn-ea"/>
                 <a:ea typeface="+mn-ea"/>
               </a:rPr>
@@ -18638,100 +18084,18 @@
             </a:r>
             <a:r>
               <a:rPr lang="en-US" altLang="ko-KR" sz="3199" b="1" dirty="0">
-                <a:solidFill>
-                  <a:schemeClr val="bg1"/>
-                </a:solidFill>
                 <a:latin typeface="+mn-ea"/>
                 <a:ea typeface="+mn-ea"/>
               </a:rPr>
               <a:t>of document</a:t>
             </a:r>
             <a:endParaRPr lang="ko-KR" altLang="en-US" sz="3199" b="1" dirty="0">
-              <a:solidFill>
-                <a:schemeClr val="bg1"/>
-              </a:solidFill>
               <a:latin typeface="+mn-ea"/>
               <a:ea typeface="+mn-ea"/>
             </a:endParaRPr>
           </a:p>
         </p:txBody>
       </p:sp>
-      <p:sp>
-        <p:nvSpPr>
-          <p:cNvPr id="6" name="직사각형 5"/>
-          <p:cNvSpPr/>
-          <p:nvPr/>
-        </p:nvSpPr>
-        <p:spPr>
-          <a:xfrm>
-            <a:off x="4542209" y="2735214"/>
-            <a:ext cx="900100" cy="45720"/>
-          </a:xfrm>
-          <a:prstGeom prst="rect">
-            <a:avLst/>
-          </a:prstGeom>
-          <a:solidFill>
-            <a:schemeClr val="bg1"/>
-          </a:solidFill>
-          <a:ln>
-            <a:noFill/>
-          </a:ln>
-        </p:spPr>
-        <p:style>
-          <a:lnRef idx="2">
-            <a:schemeClr val="accent1">
-              <a:shade val="50000"/>
-            </a:schemeClr>
-          </a:lnRef>
-          <a:fillRef idx="1">
-            <a:schemeClr val="accent1"/>
-          </a:fillRef>
-          <a:effectRef idx="0">
-            <a:schemeClr val="accent1"/>
-          </a:effectRef>
-          <a:fontRef idx="minor">
-            <a:schemeClr val="lt1"/>
-          </a:fontRef>
-        </p:style>
-        <p:txBody>
-          <a:bodyPr rtlCol="0" anchor="ctr"/>
-          <a:lstStyle/>
-          <a:p>
-            <a:pPr algn="ctr"/>
-            <a:endParaRPr lang="ko-KR" altLang="en-US"/>
-          </a:p>
-        </p:txBody>
-      </p:sp>
-      <p:pic>
-        <p:nvPicPr>
-          <p:cNvPr id="8" name="그림 7"/>
-          <p:cNvPicPr>
-            <a:picLocks noChangeAspect="1"/>
-          </p:cNvPicPr>
-          <p:nvPr/>
-        </p:nvPicPr>
-        <p:blipFill>
-          <a:blip r:embed="rId3" cstate="print">
-            <a:extLst>
-              <a:ext uri="{28A0092B-C50C-407E-A947-70E740481C1C}">
-                <a14:useLocalDpi xmlns:a14="http://schemas.microsoft.com/office/drawing/2010/main" val="0"/>
-              </a:ext>
-            </a:extLst>
-          </a:blip>
-          <a:stretch>
-            <a:fillRect/>
-          </a:stretch>
-        </p:blipFill>
-        <p:spPr>
-          <a:xfrm>
-            <a:off x="4275770" y="1484790"/>
-            <a:ext cx="1517478" cy="1517478"/>
-          </a:xfrm>
-          <a:prstGeom prst="rect">
-            <a:avLst/>
-          </a:prstGeom>
-        </p:spPr>
-      </p:pic>
     </p:spTree>
     <p:extLst>
       <p:ext uri="{BB962C8B-B14F-4D97-AF65-F5344CB8AC3E}">
@@ -21565,53 +20929,6 @@
           </p:spPr>
         </p:pic>
       </p:grpSp>
-      <p:pic>
-        <p:nvPicPr>
-          <p:cNvPr id="20" name="Picture 2" descr="G:\01_work\다날로고모음\11_1_Branch_entertainment CI세트\다날엔터_logo_01.png">
-            <a:extLst>
-              <a:ext uri="{FF2B5EF4-FFF2-40B4-BE49-F238E27FC236}">
-                <a16:creationId xmlns:a16="http://schemas.microsoft.com/office/drawing/2014/main" id="{9781264F-A010-485E-8301-55130675027F}"/>
-              </a:ext>
-            </a:extLst>
-          </p:cNvPr>
-          <p:cNvPicPr>
-            <a:picLocks noChangeAspect="1" noChangeArrowheads="1"/>
-          </p:cNvPicPr>
-          <p:nvPr/>
-        </p:nvPicPr>
-        <p:blipFill>
-          <a:blip r:embed="rId6" cstate="print">
-            <a:extLst>
-              <a:ext uri="{28A0092B-C50C-407E-A947-70E740481C1C}">
-                <a14:useLocalDpi xmlns:a14="http://schemas.microsoft.com/office/drawing/2010/main" val="0"/>
-              </a:ext>
-            </a:extLst>
-          </a:blip>
-          <a:srcRect/>
-          <a:stretch>
-            <a:fillRect/>
-          </a:stretch>
-        </p:blipFill>
-        <p:spPr bwMode="auto">
-          <a:xfrm>
-            <a:off x="4821549" y="2831311"/>
-            <a:ext cx="457146" cy="215427"/>
-          </a:xfrm>
-          <a:prstGeom prst="rect">
-            <a:avLst/>
-          </a:prstGeom>
-          <a:noFill/>
-          <a:extLst>
-            <a:ext uri="{909E8E84-426E-40DD-AFC4-6F175D3DCCD1}">
-              <a14:hiddenFill xmlns:a14="http://schemas.microsoft.com/office/drawing/2010/main">
-                <a:solidFill>
-                  <a:srgbClr val="FFFFFF"/>
-                </a:solidFill>
-              </a14:hiddenFill>
-            </a:ext>
-          </a:extLst>
-        </p:spPr>
-      </p:pic>
     </p:spTree>
     <p:extLst>
       <p:ext uri="{BB962C8B-B14F-4D97-AF65-F5344CB8AC3E}">
